--- a/Overall Flow(2).pptx
+++ b/Overall Flow(2).pptx
@@ -4570,8 +4570,31 @@
                 <a:sym typeface="Helvetica"/>
                 <a:rtl val="0"/>
               </a:rPr>
-              <a:t> edges by the potential core reduction.</a:t>
-            </a:r>
+              <a:t> edges by the potential </a:t>
+            </a:r>
+            <a:r>
+              <a:rPr lang="en-US" altLang="zh-CN" sz="1200">
+                <a:ln/>
+                <a:solidFill>
+                  <a:srgbClr val="000000"/>
+                </a:solidFill>
+                <a:latin typeface="Times New Roman" panose="02020603050405020304" pitchFamily="18" charset="0"/>
+                <a:cs typeface="Times New Roman" panose="02020603050405020304" pitchFamily="18" charset="0"/>
+                <a:sym typeface="Helvetica"/>
+                <a:rtl val="0"/>
+              </a:rPr>
+              <a:t>core reduction</a:t>
+            </a:r>
+            <a:endParaRPr lang="en-US" altLang="zh-CN" sz="1200" dirty="0">
+              <a:ln/>
+              <a:solidFill>
+                <a:srgbClr val="000000"/>
+              </a:solidFill>
+              <a:latin typeface="Times New Roman" panose="02020603050405020304" pitchFamily="18" charset="0"/>
+              <a:cs typeface="Times New Roman" panose="02020603050405020304" pitchFamily="18" charset="0"/>
+              <a:sym typeface="Helvetica"/>
+              <a:rtl val="0"/>
+            </a:endParaRPr>
           </a:p>
         </p:txBody>
       </p:sp>
@@ -4723,7 +4746,7 @@
                 <a:sym typeface="Helvetica"/>
                 <a:rtl val="0"/>
               </a:rPr>
-              <a:t>Step 4: Adjust vendor assignment considering core speed. </a:t>
+              <a:t>Step 4: Adjust vendor assignment considering core speed</a:t>
             </a:r>
           </a:p>
         </p:txBody>

--- a/Overall Flow(2).pptx
+++ b/Overall Flow(2).pptx
@@ -259,7 +259,7 @@
           <a:p>
             <a:fld id="{A4A694AC-9DBE-4991-96BF-F02976AF6264}" type="datetimeFigureOut">
               <a:rPr lang="zh-CN" altLang="en-US" smtClean="0"/>
-              <a:t>2025/9/11</a:t>
+              <a:t>2025/9/13</a:t>
             </a:fld>
             <a:endParaRPr lang="zh-CN" altLang="en-US"/>
           </a:p>
@@ -457,7 +457,7 @@
           <a:p>
             <a:fld id="{A4A694AC-9DBE-4991-96BF-F02976AF6264}" type="datetimeFigureOut">
               <a:rPr lang="zh-CN" altLang="en-US" smtClean="0"/>
-              <a:t>2025/9/11</a:t>
+              <a:t>2025/9/13</a:t>
             </a:fld>
             <a:endParaRPr lang="zh-CN" altLang="en-US"/>
           </a:p>
@@ -665,7 +665,7 @@
           <a:p>
             <a:fld id="{A4A694AC-9DBE-4991-96BF-F02976AF6264}" type="datetimeFigureOut">
               <a:rPr lang="zh-CN" altLang="en-US" smtClean="0"/>
-              <a:t>2025/9/11</a:t>
+              <a:t>2025/9/13</a:t>
             </a:fld>
             <a:endParaRPr lang="zh-CN" altLang="en-US"/>
           </a:p>
@@ -863,7 +863,7 @@
           <a:p>
             <a:fld id="{A4A694AC-9DBE-4991-96BF-F02976AF6264}" type="datetimeFigureOut">
               <a:rPr lang="zh-CN" altLang="en-US" smtClean="0"/>
-              <a:t>2025/9/11</a:t>
+              <a:t>2025/9/13</a:t>
             </a:fld>
             <a:endParaRPr lang="zh-CN" altLang="en-US"/>
           </a:p>
@@ -1138,7 +1138,7 @@
           <a:p>
             <a:fld id="{A4A694AC-9DBE-4991-96BF-F02976AF6264}" type="datetimeFigureOut">
               <a:rPr lang="zh-CN" altLang="en-US" smtClean="0"/>
-              <a:t>2025/9/11</a:t>
+              <a:t>2025/9/13</a:t>
             </a:fld>
             <a:endParaRPr lang="zh-CN" altLang="en-US"/>
           </a:p>
@@ -1403,7 +1403,7 @@
           <a:p>
             <a:fld id="{A4A694AC-9DBE-4991-96BF-F02976AF6264}" type="datetimeFigureOut">
               <a:rPr lang="zh-CN" altLang="en-US" smtClean="0"/>
-              <a:t>2025/9/11</a:t>
+              <a:t>2025/9/13</a:t>
             </a:fld>
             <a:endParaRPr lang="zh-CN" altLang="en-US"/>
           </a:p>
@@ -1815,7 +1815,7 @@
           <a:p>
             <a:fld id="{A4A694AC-9DBE-4991-96BF-F02976AF6264}" type="datetimeFigureOut">
               <a:rPr lang="zh-CN" altLang="en-US" smtClean="0"/>
-              <a:t>2025/9/11</a:t>
+              <a:t>2025/9/13</a:t>
             </a:fld>
             <a:endParaRPr lang="zh-CN" altLang="en-US"/>
           </a:p>
@@ -1956,7 +1956,7 @@
           <a:p>
             <a:fld id="{A4A694AC-9DBE-4991-96BF-F02976AF6264}" type="datetimeFigureOut">
               <a:rPr lang="zh-CN" altLang="en-US" smtClean="0"/>
-              <a:t>2025/9/11</a:t>
+              <a:t>2025/9/13</a:t>
             </a:fld>
             <a:endParaRPr lang="zh-CN" altLang="en-US"/>
           </a:p>
@@ -2069,7 +2069,7 @@
           <a:p>
             <a:fld id="{A4A694AC-9DBE-4991-96BF-F02976AF6264}" type="datetimeFigureOut">
               <a:rPr lang="zh-CN" altLang="en-US" smtClean="0"/>
-              <a:t>2025/9/11</a:t>
+              <a:t>2025/9/13</a:t>
             </a:fld>
             <a:endParaRPr lang="zh-CN" altLang="en-US"/>
           </a:p>
@@ -2380,7 +2380,7 @@
           <a:p>
             <a:fld id="{A4A694AC-9DBE-4991-96BF-F02976AF6264}" type="datetimeFigureOut">
               <a:rPr lang="zh-CN" altLang="en-US" smtClean="0"/>
-              <a:t>2025/9/11</a:t>
+              <a:t>2025/9/13</a:t>
             </a:fld>
             <a:endParaRPr lang="zh-CN" altLang="en-US"/>
           </a:p>
@@ -2668,7 +2668,7 @@
           <a:p>
             <a:fld id="{A4A694AC-9DBE-4991-96BF-F02976AF6264}" type="datetimeFigureOut">
               <a:rPr lang="zh-CN" altLang="en-US" smtClean="0"/>
-              <a:t>2025/9/11</a:t>
+              <a:t>2025/9/13</a:t>
             </a:fld>
             <a:endParaRPr lang="zh-CN" altLang="en-US"/>
           </a:p>
@@ -2909,7 +2909,7 @@
           <a:p>
             <a:fld id="{A4A694AC-9DBE-4991-96BF-F02976AF6264}" type="datetimeFigureOut">
               <a:rPr lang="zh-CN" altLang="en-US" smtClean="0"/>
-              <a:t>2025/9/11</a:t>
+              <a:t>2025/9/13</a:t>
             </a:fld>
             <a:endParaRPr lang="zh-CN" altLang="en-US"/>
           </a:p>
@@ -3433,7 +3433,7 @@
         </p:nvSpPr>
         <p:spPr>
           <a:xfrm>
-            <a:off x="1657282" y="1309899"/>
+            <a:off x="1609119" y="1317445"/>
             <a:ext cx="2308056" cy="246221"/>
           </a:xfrm>
           <a:prstGeom prst="rect">
@@ -3459,7 +3459,7 @@
                 <a:sym typeface="Helvetica"/>
                 <a:rtl val="0"/>
               </a:rPr>
-              <a:t>Performance-constrained t</a:t>
+              <a:t>Deadline--constrained t</a:t>
             </a:r>
             <a:r>
               <a:rPr lang="zh-CN" altLang="en-US" sz="1000" i="1" dirty="0">
@@ -3985,77 +3985,162 @@
           </a:p>
         </p:txBody>
       </p:sp>
-      <p:sp>
-        <p:nvSpPr>
-          <p:cNvPr id="29" name="文本框 28">
-            <a:extLst>
-              <a:ext uri="{FF2B5EF4-FFF2-40B4-BE49-F238E27FC236}">
-                <a16:creationId xmlns:a16="http://schemas.microsoft.com/office/drawing/2014/main" id="{67DAF9FA-6D47-9F28-6BBE-D1B1B797923B}"/>
-              </a:ext>
-            </a:extLst>
-          </p:cNvPr>
-          <p:cNvSpPr txBox="1"/>
-          <p:nvPr/>
-        </p:nvSpPr>
-        <p:spPr>
-          <a:xfrm>
-            <a:off x="2079852" y="2278235"/>
-            <a:ext cx="1715534" cy="276999"/>
-          </a:xfrm>
-          <a:prstGeom prst="rect">
-            <a:avLst/>
-          </a:prstGeom>
-          <a:noFill/>
-        </p:spPr>
-        <p:txBody>
-          <a:bodyPr wrap="none" rtlCol="0">
-            <a:spAutoFit/>
-          </a:bodyPr>
-          <a:lstStyle/>
-          <a:p>
-            <a:pPr algn="ctr"/>
-            <a:r>
-              <a:rPr lang="zh-CN" altLang="en-US" sz="1200" spc="0" dirty="0">
-                <a:ln/>
-                <a:solidFill>
-                  <a:srgbClr val="000000"/>
-                </a:solidFill>
-                <a:latin typeface="Times New Roman" panose="02020603050405020304" pitchFamily="18" charset="0"/>
-                <a:cs typeface="Times New Roman" panose="02020603050405020304" pitchFamily="18" charset="0"/>
-                <a:sym typeface="Helvetica"/>
-                <a:rtl val="0"/>
-              </a:rPr>
-              <a:t>Is schedule_length &gt; </a:t>
-            </a:r>
-            <a:r>
-              <a:rPr lang="zh-CN" altLang="en-US" sz="1200" i="1" spc="0" dirty="0">
-                <a:ln/>
-                <a:solidFill>
-                  <a:srgbClr val="000000"/>
-                </a:solidFill>
-                <a:latin typeface="Times New Roman" panose="02020603050405020304" pitchFamily="18" charset="0"/>
-                <a:cs typeface="Times New Roman" panose="02020603050405020304" pitchFamily="18" charset="0"/>
-                <a:sym typeface="Helvetica"/>
-                <a:rtl val="0"/>
-              </a:rPr>
-              <a:t>pc</a:t>
-            </a:r>
-            <a:r>
-              <a:rPr lang="zh-CN" altLang="en-US" sz="1200" spc="0" dirty="0">
-                <a:ln/>
-                <a:solidFill>
-                  <a:srgbClr val="000000"/>
-                </a:solidFill>
-                <a:latin typeface="Times New Roman" panose="02020603050405020304" pitchFamily="18" charset="0"/>
-                <a:cs typeface="Times New Roman" panose="02020603050405020304" pitchFamily="18" charset="0"/>
-                <a:sym typeface="Helvetica"/>
-                <a:rtl val="0"/>
-              </a:rPr>
-              <a:t>?</a:t>
-            </a:r>
-          </a:p>
-        </p:txBody>
-      </p:sp>
+      <mc:AlternateContent xmlns:mc="http://schemas.openxmlformats.org/markup-compatibility/2006">
+        <mc:Choice xmlns:a14="http://schemas.microsoft.com/office/drawing/2010/main" Requires="a14">
+          <p:sp>
+            <p:nvSpPr>
+              <p:cNvPr id="29" name="文本框 28">
+                <a:extLst>
+                  <a:ext uri="{FF2B5EF4-FFF2-40B4-BE49-F238E27FC236}">
+                    <a16:creationId xmlns:a16="http://schemas.microsoft.com/office/drawing/2014/main" id="{67DAF9FA-6D47-9F28-6BBE-D1B1B797923B}"/>
+                  </a:ext>
+                </a:extLst>
+              </p:cNvPr>
+              <p:cNvSpPr txBox="1"/>
+              <p:nvPr/>
+            </p:nvSpPr>
+            <p:spPr>
+              <a:xfrm>
+                <a:off x="2076933" y="2278235"/>
+                <a:ext cx="1721369" cy="280333"/>
+              </a:xfrm>
+              <a:prstGeom prst="rect">
+                <a:avLst/>
+              </a:prstGeom>
+              <a:noFill/>
+            </p:spPr>
+            <p:txBody>
+              <a:bodyPr wrap="none" rtlCol="0">
+                <a:spAutoFit/>
+              </a:bodyPr>
+              <a:lstStyle/>
+              <a:p>
+                <a:pPr algn="ctr"/>
+                <a:r>
+                  <a:rPr lang="zh-CN" altLang="en-US" sz="1200" spc="0" dirty="0">
+                    <a:ln/>
+                    <a:solidFill>
+                      <a:srgbClr val="000000"/>
+                    </a:solidFill>
+                    <a:latin typeface="Times New Roman" panose="02020603050405020304" pitchFamily="18" charset="0"/>
+                    <a:cs typeface="Times New Roman" panose="02020603050405020304" pitchFamily="18" charset="0"/>
+                    <a:sym typeface="Helvetica"/>
+                    <a:rtl val="0"/>
+                  </a:rPr>
+                  <a:t>Is schedule_length &gt; </a:t>
+                </a:r>
+                <a14:m>
+                  <m:oMath xmlns:m="http://schemas.openxmlformats.org/officeDocument/2006/math">
+                    <m:sSup>
+                      <m:sSupPr>
+                        <m:ctrlPr>
+                          <a:rPr lang="en-US" altLang="zh-CN" sz="1200" i="1" spc="0" smtClean="0">
+                            <a:ln/>
+                            <a:solidFill>
+                              <a:srgbClr val="000000"/>
+                            </a:solidFill>
+                            <a:latin typeface="Cambria Math" panose="02040503050406030204" pitchFamily="18" charset="0"/>
+                            <a:cs typeface="Times New Roman" panose="02020603050405020304" pitchFamily="18" charset="0"/>
+                            <a:sym typeface="Helvetica"/>
+                            <a:rtl val="0"/>
+                          </a:rPr>
+                        </m:ctrlPr>
+                      </m:sSupPr>
+                      <m:e>
+                        <m:r>
+                          <a:rPr lang="en-US" altLang="zh-CN" sz="1200" b="0" i="1" spc="0" smtClean="0">
+                            <a:ln/>
+                            <a:solidFill>
+                              <a:srgbClr val="000000"/>
+                            </a:solidFill>
+                            <a:latin typeface="Cambria Math" panose="02040503050406030204" pitchFamily="18" charset="0"/>
+                            <a:cs typeface="Times New Roman" panose="02020603050405020304" pitchFamily="18" charset="0"/>
+                            <a:sym typeface="Helvetica"/>
+                            <a:rtl val="0"/>
+                          </a:rPr>
+                          <m:t>𝑡</m:t>
+                        </m:r>
+                      </m:e>
+                      <m:sup>
+                        <m:r>
+                          <a:rPr lang="en-US" altLang="zh-CN" sz="1200" b="0" i="1" spc="0" smtClean="0">
+                            <a:ln/>
+                            <a:solidFill>
+                              <a:srgbClr val="000000"/>
+                            </a:solidFill>
+                            <a:latin typeface="Cambria Math" panose="02040503050406030204" pitchFamily="18" charset="0"/>
+                            <a:cs typeface="Times New Roman" panose="02020603050405020304" pitchFamily="18" charset="0"/>
+                            <a:sym typeface="Helvetica"/>
+                            <a:rtl val="0"/>
+                          </a:rPr>
+                          <m:t>𝑑</m:t>
+                        </m:r>
+                      </m:sup>
+                    </m:sSup>
+                  </m:oMath>
+                </a14:m>
+                <a:r>
+                  <a:rPr lang="zh-CN" altLang="en-US" sz="1200" spc="0" dirty="0">
+                    <a:ln/>
+                    <a:solidFill>
+                      <a:srgbClr val="000000"/>
+                    </a:solidFill>
+                    <a:latin typeface="Times New Roman" panose="02020603050405020304" pitchFamily="18" charset="0"/>
+                    <a:cs typeface="Times New Roman" panose="02020603050405020304" pitchFamily="18" charset="0"/>
+                    <a:sym typeface="Helvetica"/>
+                    <a:rtl val="0"/>
+                  </a:rPr>
+                  <a:t>?</a:t>
+                </a:r>
+              </a:p>
+            </p:txBody>
+          </p:sp>
+        </mc:Choice>
+        <mc:Fallback>
+          <p:sp>
+            <p:nvSpPr>
+              <p:cNvPr id="29" name="文本框 28">
+                <a:extLst>
+                  <a:ext uri="{FF2B5EF4-FFF2-40B4-BE49-F238E27FC236}">
+                    <a16:creationId xmlns:a16="http://schemas.microsoft.com/office/drawing/2014/main" id="{67DAF9FA-6D47-9F28-6BBE-D1B1B797923B}"/>
+                  </a:ext>
+                </a:extLst>
+              </p:cNvPr>
+              <p:cNvSpPr txBox="1">
+                <a:spLocks noRot="1" noChangeAspect="1" noMove="1" noResize="1" noEditPoints="1" noAdjustHandles="1" noChangeArrowheads="1" noChangeShapeType="1" noTextEdit="1"/>
+              </p:cNvSpPr>
+              <p:nvPr/>
+            </p:nvSpPr>
+            <p:spPr>
+              <a:xfrm>
+                <a:off x="2076933" y="2278235"/>
+                <a:ext cx="1721369" cy="280333"/>
+              </a:xfrm>
+              <a:prstGeom prst="rect">
+                <a:avLst/>
+              </a:prstGeom>
+              <a:blipFill>
+                <a:blip r:embed="rId2"/>
+                <a:stretch>
+                  <a:fillRect b="-17391"/>
+                </a:stretch>
+              </a:blipFill>
+            </p:spPr>
+            <p:txBody>
+              <a:bodyPr/>
+              <a:lstStyle/>
+              <a:p>
+                <a:r>
+                  <a:rPr lang="zh-CN" altLang="en-US">
+                    <a:noFill/>
+                  </a:rPr>
+                  <a:t> </a:t>
+                </a:r>
+              </a:p>
+            </p:txBody>
+          </p:sp>
+        </mc:Fallback>
+      </mc:AlternateContent>
       <p:sp>
         <p:nvSpPr>
           <p:cNvPr id="97" name="流程图: 过程 96">
